--- a/16216/f15/lectures/16.216f15_lec4_op_io.pptx
+++ b/16216/f15/lectures/16.216f15_lec4_op_io.pptx
@@ -530,7 +530,7 @@
         <p:nvSpPr>
           <p:cNvPr id="18436" name="Rectangle 4"/>
           <p:cNvSpPr>
-            <a:spLocks noRot="1" noChangeArrowheads="1" noTextEdit="1"/>
+            <a:spLocks noGrp="1" noRot="1" noChangeAspect="1" noChangeArrowheads="1" noTextEdit="1"/>
           </p:cNvSpPr>
           <p:nvPr>
             <p:ph type="sldImg" idx="2"/>
@@ -1051,7 +1051,7 @@
         <p:nvSpPr>
           <p:cNvPr id="19459" name="Rectangle 2"/>
           <p:cNvSpPr>
-            <a:spLocks noRot="1" noChangeArrowheads="1" noTextEdit="1"/>
+            <a:spLocks noGrp="1" noRot="1" noChangeAspect="1" noChangeArrowheads="1" noTextEdit="1"/>
           </p:cNvSpPr>
           <p:nvPr>
             <p:ph type="sldImg"/>
@@ -1296,7 +1296,7 @@
         <p:nvSpPr>
           <p:cNvPr id="20483" name="Rectangle 2"/>
           <p:cNvSpPr>
-            <a:spLocks noRot="1" noChangeArrowheads="1" noTextEdit="1"/>
+            <a:spLocks noGrp="1" noRot="1" noChangeAspect="1" noChangeArrowheads="1" noTextEdit="1"/>
           </p:cNvSpPr>
           <p:nvPr>
             <p:ph type="sldImg"/>
@@ -2018,7 +2018,7 @@
         <p:nvSpPr>
           <p:cNvPr id="30726" name="Rectangle 2"/>
           <p:cNvSpPr>
-            <a:spLocks noChangeArrowheads="1" noTextEdit="1"/>
+            <a:spLocks noGrp="1" noRot="1" noChangeAspect="1" noChangeArrowheads="1" noTextEdit="1"/>
           </p:cNvSpPr>
           <p:nvPr>
             <p:ph type="sldImg"/>
@@ -2305,7 +2305,7 @@
             <a:fld id="{628E4FA6-35DC-5D4A-AD8D-446BE20C8695}" type="datetime1">
               <a:rPr lang="en-US"/>
               <a:pPr/>
-              <a:t>9/9/15</a:t>
+              <a:t>9/13/15</a:t>
             </a:fld>
             <a:endParaRPr lang="en-US"/>
           </a:p>
@@ -2502,7 +2502,7 @@
             <a:fld id="{4EBA4AB0-3AF2-E74D-B138-E2D75A542F4B}" type="datetime1">
               <a:rPr lang="en-US"/>
               <a:pPr/>
-              <a:t>9/9/15</a:t>
+              <a:t>9/13/15</a:t>
             </a:fld>
             <a:endParaRPr lang="en-US"/>
           </a:p>
@@ -2708,7 +2708,7 @@
             <a:fld id="{1D1C5C31-C0AA-634F-AE58-260AB7E7881F}" type="datetime1">
               <a:rPr lang="en-US"/>
               <a:pPr/>
-              <a:t>9/9/15</a:t>
+              <a:t>9/13/15</a:t>
             </a:fld>
             <a:endParaRPr lang="en-US"/>
           </a:p>
@@ -2971,7 +2971,7 @@
             <a:fld id="{877351F0-8C5B-D74D-B984-C60C1706FD80}" type="datetime1">
               <a:rPr lang="en-US"/>
               <a:pPr/>
-              <a:t>9/9/15</a:t>
+              <a:t>9/13/15</a:t>
             </a:fld>
             <a:endParaRPr lang="en-US"/>
           </a:p>
@@ -3234,7 +3234,7 @@
             <a:fld id="{96677DEF-6424-C74C-B38E-F17311FBBADC}" type="datetime1">
               <a:rPr lang="en-US"/>
               <a:pPr/>
-              <a:t>9/9/15</a:t>
+              <a:t>9/13/15</a:t>
             </a:fld>
             <a:endParaRPr lang="en-US"/>
           </a:p>
@@ -3430,7 +3430,7 @@
             <a:fld id="{FC29C5FE-808E-9741-8BEB-B3922AF5345E}" type="datetime1">
               <a:rPr lang="en-US"/>
               <a:pPr/>
-              <a:t>9/9/15</a:t>
+              <a:t>9/13/15</a:t>
             </a:fld>
             <a:endParaRPr lang="en-US"/>
           </a:p>
@@ -3648,7 +3648,7 @@
             <a:fld id="{D9495E81-903D-5E4C-88A7-6DB65D723C55}" type="datetime1">
               <a:rPr lang="en-US"/>
               <a:pPr/>
-              <a:t>9/9/15</a:t>
+              <a:t>9/13/15</a:t>
             </a:fld>
             <a:endParaRPr lang="en-US"/>
           </a:p>
@@ -3962,7 +3962,7 @@
             <a:fld id="{B1538CC7-B762-A340-901F-60F673C2E8AC}" type="datetime1">
               <a:rPr lang="en-US"/>
               <a:pPr/>
-              <a:t>9/9/15</a:t>
+              <a:t>9/13/15</a:t>
             </a:fld>
             <a:endParaRPr lang="en-US"/>
           </a:p>
@@ -4415,7 +4415,7 @@
             <a:fld id="{EC92F8D8-B424-FB42-BEDB-D9EC776F7CB4}" type="datetime1">
               <a:rPr lang="en-US"/>
               <a:pPr/>
-              <a:t>9/9/15</a:t>
+              <a:t>9/13/15</a:t>
             </a:fld>
             <a:endParaRPr lang="en-US"/>
           </a:p>
@@ -4559,7 +4559,7 @@
             <a:fld id="{7CA81FE9-FB3A-5748-802C-E4709C31CBE2}" type="datetime1">
               <a:rPr lang="en-US"/>
               <a:pPr/>
-              <a:t>9/9/15</a:t>
+              <a:t>9/13/15</a:t>
             </a:fld>
             <a:endParaRPr lang="en-US"/>
           </a:p>
@@ -4680,7 +4680,7 @@
             <a:fld id="{1C5D66DC-A161-B04D-BD0E-C266000C7FA0}" type="datetime1">
               <a:rPr lang="en-US"/>
               <a:pPr/>
-              <a:t>9/9/15</a:t>
+              <a:t>9/13/15</a:t>
             </a:fld>
             <a:endParaRPr lang="en-US"/>
           </a:p>
@@ -4983,7 +4983,7 @@
             <a:fld id="{369272FE-4132-1D47-9567-1A7CF0FAED59}" type="datetime1">
               <a:rPr lang="en-US"/>
               <a:pPr/>
-              <a:t>9/9/15</a:t>
+              <a:t>9/13/15</a:t>
             </a:fld>
             <a:endParaRPr lang="en-US"/>
           </a:p>
@@ -5263,7 +5263,7 @@
             <a:fld id="{6D21AA55-B15B-5F44-A2F9-9A4EBCC788FD}" type="datetime1">
               <a:rPr lang="en-US"/>
               <a:pPr/>
-              <a:t>9/9/15</a:t>
+              <a:t>9/13/15</a:t>
             </a:fld>
             <a:endParaRPr lang="en-US"/>
           </a:p>
@@ -5562,7 +5562,7 @@
             <a:fld id="{DA2FAAA9-0DB5-C849-905A-7D468341775F}" type="datetime1">
               <a:rPr lang="en-US"/>
               <a:pPr/>
-              <a:t>9/9/15</a:t>
+              <a:t>9/13/15</a:t>
             </a:fld>
             <a:endParaRPr lang="en-US"/>
           </a:p>
@@ -6754,7 +6754,7 @@
                 <a:latin typeface="Garamond" charset="0"/>
               </a:rPr>
               <a:pPr eaLnBrk="1" hangingPunct="1"/>
-              <a:t>9/9/15</a:t>
+              <a:t>9/13/15</a:t>
             </a:fld>
             <a:endParaRPr lang="en-US">
               <a:latin typeface="Garamond" charset="0"/>
@@ -7388,7 +7388,7 @@
                 <a:latin typeface="Garamond" charset="0"/>
               </a:rPr>
               <a:pPr eaLnBrk="1" hangingPunct="1"/>
-              <a:t>9/9/15</a:t>
+              <a:t>9/13/15</a:t>
             </a:fld>
             <a:endParaRPr lang="en-US">
               <a:latin typeface="Garamond" charset="0"/>
@@ -7844,7 +7844,7 @@
                 <a:latin typeface="Garamond" charset="0"/>
               </a:rPr>
               <a:pPr eaLnBrk="1" hangingPunct="1"/>
-              <a:t>9/9/15</a:t>
+              <a:t>9/13/15</a:t>
             </a:fld>
             <a:endParaRPr lang="en-US">
               <a:latin typeface="Garamond" charset="0"/>
@@ -8578,7 +8578,7 @@
                 <a:latin typeface="Garamond" charset="0"/>
               </a:rPr>
               <a:pPr eaLnBrk="1" hangingPunct="1"/>
-              <a:t>9/9/15</a:t>
+              <a:t>9/13/15</a:t>
             </a:fld>
             <a:endParaRPr lang="en-US">
               <a:latin typeface="Garamond" charset="0"/>
@@ -9208,7 +9208,7 @@
                 <a:latin typeface="Garamond" charset="0"/>
               </a:rPr>
               <a:pPr eaLnBrk="1" hangingPunct="1"/>
-              <a:t>9/9/15</a:t>
+              <a:t>9/13/15</a:t>
             </a:fld>
             <a:endParaRPr lang="en-US">
               <a:latin typeface="Garamond" charset="0"/>
@@ -10085,7 +10085,7 @@
                 <a:latin typeface="Garamond" charset="0"/>
               </a:rPr>
               <a:pPr eaLnBrk="1" hangingPunct="1"/>
-              <a:t>9/9/15</a:t>
+              <a:t>9/13/15</a:t>
             </a:fld>
             <a:endParaRPr lang="en-US">
               <a:latin typeface="Garamond" charset="0"/>
@@ -10753,7 +10753,7 @@
                 <a:latin typeface="Garamond" charset="0"/>
               </a:rPr>
               <a:pPr eaLnBrk="1" hangingPunct="1"/>
-              <a:t>9/9/15</a:t>
+              <a:t>9/13/15</a:t>
             </a:fld>
             <a:endParaRPr lang="en-US">
               <a:latin typeface="Garamond" charset="0"/>
@@ -11439,7 +11439,7 @@
                 <a:latin typeface="Garamond" charset="0"/>
               </a:rPr>
               <a:pPr eaLnBrk="1" hangingPunct="1"/>
-              <a:t>9/9/15</a:t>
+              <a:t>9/13/15</a:t>
             </a:fld>
             <a:endParaRPr lang="en-US">
               <a:latin typeface="Garamond" charset="0"/>
@@ -12066,7 +12066,7 @@
                 <a:latin typeface="Garamond" charset="0"/>
               </a:rPr>
               <a:pPr eaLnBrk="1" hangingPunct="1"/>
-              <a:t>9/9/15</a:t>
+              <a:t>9/13/15</a:t>
             </a:fld>
             <a:endParaRPr lang="en-US">
               <a:latin typeface="Garamond" charset="0"/>
@@ -12485,7 +12485,7 @@
                 <a:latin typeface="Garamond" charset="0"/>
               </a:rPr>
               <a:pPr eaLnBrk="1" hangingPunct="1"/>
-              <a:t>9/9/15</a:t>
+              <a:t>9/13/15</a:t>
             </a:fld>
             <a:endParaRPr lang="en-US">
               <a:latin typeface="Garamond" charset="0"/>
@@ -13048,7 +13048,7 @@
                 <a:latin typeface="Garamond" charset="0"/>
               </a:rPr>
               <a:pPr eaLnBrk="1" hangingPunct="1"/>
-              <a:t>9/9/15</a:t>
+              <a:t>9/13/15</a:t>
             </a:fld>
             <a:endParaRPr lang="en-US">
               <a:latin typeface="Garamond" charset="0"/>
@@ -15096,7 +15096,7 @@
                 <a:latin typeface="Garamond" charset="0"/>
               </a:rPr>
               <a:pPr eaLnBrk="1" hangingPunct="1"/>
-              <a:t>9/9/15</a:t>
+              <a:t>9/13/15</a:t>
             </a:fld>
             <a:endParaRPr lang="en-US">
               <a:latin typeface="Garamond" charset="0"/>
@@ -15904,7 +15904,7 @@
                 <a:latin typeface="Garamond" charset="0"/>
               </a:rPr>
               <a:pPr eaLnBrk="1" hangingPunct="1"/>
-              <a:t>9/9/15</a:t>
+              <a:t>9/13/15</a:t>
             </a:fld>
             <a:endParaRPr lang="en-US">
               <a:latin typeface="Garamond" charset="0"/>
@@ -16709,7 +16709,7 @@
                 <a:latin typeface="Garamond" charset="0"/>
               </a:rPr>
               <a:pPr eaLnBrk="1" hangingPunct="1"/>
-              <a:t>9/9/15</a:t>
+              <a:t>9/13/15</a:t>
             </a:fld>
             <a:endParaRPr lang="en-US">
               <a:latin typeface="Garamond" charset="0"/>
@@ -17507,7 +17507,7 @@
                 <a:latin typeface="Garamond" charset="0"/>
               </a:rPr>
               <a:pPr eaLnBrk="1" hangingPunct="1"/>
-              <a:t>9/9/15</a:t>
+              <a:t>9/13/15</a:t>
             </a:fld>
             <a:endParaRPr lang="en-US">
               <a:latin typeface="Garamond" charset="0"/>
@@ -18265,7 +18265,7 @@
                 <a:latin typeface="Garamond" charset="0"/>
               </a:rPr>
               <a:pPr eaLnBrk="1" hangingPunct="1"/>
-              <a:t>9/9/15</a:t>
+              <a:t>9/13/15</a:t>
             </a:fld>
             <a:endParaRPr lang="en-US">
               <a:latin typeface="Garamond" charset="0"/>
@@ -18372,7 +18372,7 @@
         <p:spPr/>
         <p:txBody>
           <a:bodyPr>
-            <a:normAutofit lnSpcReduction="10000"/>
+            <a:normAutofit/>
           </a:bodyPr>
           <a:lstStyle/>
           <a:p>
@@ -18386,60 +18386,60 @@
           <a:p>
             <a:pPr lvl="1"/>
             <a:r>
+              <a:rPr lang="en-US" dirty="0" err="1" smtClean="0">
+                <a:latin typeface="Arial" charset="0"/>
+              </a:rPr>
+              <a:t>scanf</a:t>
+            </a:r>
+            <a:r>
+              <a:rPr lang="en-US" dirty="0">
+                <a:latin typeface="Arial" charset="0"/>
+              </a:rPr>
+              <a:t>()</a:t>
+            </a:r>
+          </a:p>
+          <a:p>
+            <a:r>
+              <a:rPr lang="en-US" dirty="0">
+                <a:latin typeface="Arial" charset="0"/>
+              </a:rPr>
+              <a:t>Reminders:</a:t>
+            </a:r>
+          </a:p>
+          <a:p>
+            <a:pPr lvl="1"/>
+            <a:r>
+              <a:rPr lang="en-US" dirty="0">
+                <a:latin typeface="Arial" charset="0"/>
+              </a:rPr>
+              <a:t>Program 2 </a:t>
+            </a:r>
+            <a:r>
               <a:rPr lang="en-US" dirty="0" smtClean="0">
                 <a:latin typeface="Arial" charset="0"/>
               </a:rPr>
-              <a:t>Finish </a:t>
+              <a:t>due 9/18</a:t>
+            </a:r>
+          </a:p>
+          <a:p>
+            <a:pPr lvl="2"/>
+            <a:r>
+              <a:rPr lang="en-US" dirty="0" smtClean="0">
+                <a:latin typeface="Arial" charset="0"/>
+              </a:rPr>
+              <a:t>Won’t cover </a:t>
             </a:r>
             <a:r>
               <a:rPr lang="en-US" dirty="0" err="1" smtClean="0">
                 <a:latin typeface="Arial" charset="0"/>
               </a:rPr>
-              <a:t>printf</a:t>
-            </a:r>
-            <a:r>
-              <a:rPr lang="en-US" dirty="0">
-                <a:latin typeface="Arial" charset="0"/>
-              </a:rPr>
-              <a:t>() examples</a:t>
-            </a:r>
-          </a:p>
-          <a:p>
-            <a:pPr lvl="1"/>
-            <a:r>
-              <a:rPr lang="en-US" dirty="0" err="1">
-                <a:latin typeface="Arial" charset="0"/>
-              </a:rPr>
               <a:t>scanf</a:t>
             </a:r>
             <a:r>
-              <a:rPr lang="en-US" dirty="0">
-                <a:latin typeface="Arial" charset="0"/>
-              </a:rPr>
-              <a:t>()</a:t>
-            </a:r>
-          </a:p>
-          <a:p>
-            <a:r>
-              <a:rPr lang="en-US" dirty="0">
-                <a:latin typeface="Arial" charset="0"/>
-              </a:rPr>
-              <a:t>Reminders:</a:t>
-            </a:r>
-          </a:p>
-          <a:p>
-            <a:pPr lvl="1"/>
-            <a:r>
-              <a:rPr lang="en-US" dirty="0">
-                <a:latin typeface="Arial" charset="0"/>
-              </a:rPr>
-              <a:t>Program 2 </a:t>
-            </a:r>
-            <a:r>
               <a:rPr lang="en-US" dirty="0" smtClean="0">
                 <a:latin typeface="Arial" charset="0"/>
               </a:rPr>
-              <a:t>due 9/18</a:t>
+              <a:t>() until Monday, 9/14</a:t>
             </a:r>
           </a:p>
           <a:p>
@@ -18448,7 +18448,34 @@
               <a:rPr lang="en-US" dirty="0" smtClean="0">
                 <a:latin typeface="Arial" charset="0"/>
               </a:rPr>
-              <a:t>Won’t cover </a:t>
+              <a:t>Suggestions</a:t>
+            </a:r>
+          </a:p>
+          <a:p>
+            <a:pPr lvl="3"/>
+            <a:r>
+              <a:rPr lang="en-US" dirty="0" smtClean="0">
+                <a:latin typeface="Arial" charset="0"/>
+              </a:rPr>
+              <a:t>Start working on program design now</a:t>
+            </a:r>
+          </a:p>
+          <a:p>
+            <a:pPr lvl="3"/>
+            <a:r>
+              <a:rPr lang="en-US" dirty="0" smtClean="0">
+                <a:latin typeface="Arial" charset="0"/>
+              </a:rPr>
+              <a:t>Test equations/output by assigning values to variables</a:t>
+            </a:r>
+          </a:p>
+          <a:p>
+            <a:pPr lvl="3"/>
+            <a:r>
+              <a:rPr lang="en-US" dirty="0" smtClean="0">
+                <a:latin typeface="Arial" charset="0"/>
+              </a:rPr>
+              <a:t>Once you understand </a:t>
             </a:r>
             <a:r>
               <a:rPr lang="en-US" dirty="0" err="1" smtClean="0">
@@ -18460,64 +18487,16 @@
               <a:rPr lang="en-US" dirty="0" smtClean="0">
                 <a:latin typeface="Arial" charset="0"/>
               </a:rPr>
-              <a:t>() until Monday, 9/14</a:t>
-            </a:r>
-          </a:p>
-          <a:p>
-            <a:pPr lvl="2"/>
+              <a:t>(), replace those assignments with </a:t>
+            </a:r>
+            <a:r>
+              <a:rPr lang="en-US" dirty="0" err="1" smtClean="0">
+                <a:latin typeface="Arial" charset="0"/>
+              </a:rPr>
+              <a:t>scanf</a:t>
+            </a:r>
             <a:r>
               <a:rPr lang="en-US" dirty="0" smtClean="0">
-                <a:latin typeface="Arial" charset="0"/>
-              </a:rPr>
-              <a:t>Suggestions</a:t>
-            </a:r>
-          </a:p>
-          <a:p>
-            <a:pPr lvl="3"/>
-            <a:r>
-              <a:rPr lang="en-US" dirty="0" smtClean="0">
-                <a:latin typeface="Arial" charset="0"/>
-              </a:rPr>
-              <a:t>Start working on program design now</a:t>
-            </a:r>
-          </a:p>
-          <a:p>
-            <a:pPr lvl="3"/>
-            <a:r>
-              <a:rPr lang="en-US" dirty="0" smtClean="0">
-                <a:latin typeface="Arial" charset="0"/>
-              </a:rPr>
-              <a:t>Test equations/output by assigning values to variables</a:t>
-            </a:r>
-          </a:p>
-          <a:p>
-            <a:pPr lvl="3"/>
-            <a:r>
-              <a:rPr lang="en-US" dirty="0" smtClean="0">
-                <a:latin typeface="Arial" charset="0"/>
-              </a:rPr>
-              <a:t>Once you understand </a:t>
-            </a:r>
-            <a:r>
-              <a:rPr lang="en-US" dirty="0" err="1" smtClean="0">
-                <a:latin typeface="Arial" charset="0"/>
-              </a:rPr>
-              <a:t>scanf</a:t>
-            </a:r>
-            <a:r>
-              <a:rPr lang="en-US" dirty="0" smtClean="0">
-                <a:latin typeface="Arial" charset="0"/>
-              </a:rPr>
-              <a:t>(), replace those assignments with </a:t>
-            </a:r>
-            <a:r>
-              <a:rPr lang="en-US" dirty="0" err="1" smtClean="0">
-                <a:latin typeface="Arial" charset="0"/>
-              </a:rPr>
-              <a:t>scanf</a:t>
-            </a:r>
-            <a:r>
-              <a:rPr lang="en-US" smtClean="0">
                 <a:latin typeface="Arial" charset="0"/>
               </a:rPr>
               <a:t>() calls</a:t>
@@ -18673,7 +18652,7 @@
                 <a:latin typeface="Garamond" charset="0"/>
               </a:rPr>
               <a:pPr eaLnBrk="1" hangingPunct="1"/>
-              <a:t>9/9/15</a:t>
+              <a:t>9/13/15</a:t>
             </a:fld>
             <a:endParaRPr lang="en-US">
               <a:latin typeface="Garamond" charset="0"/>
@@ -19018,7 +18997,7 @@
                 <a:latin typeface="Garamond" charset="0"/>
               </a:rPr>
               <a:pPr eaLnBrk="1" hangingPunct="1"/>
-              <a:t>9/9/15</a:t>
+              <a:t>9/13/15</a:t>
             </a:fld>
             <a:endParaRPr lang="en-US">
               <a:latin typeface="Garamond" charset="0"/>
@@ -20830,7 +20809,7 @@
                 <a:latin typeface="Garamond" charset="0"/>
               </a:rPr>
               <a:pPr eaLnBrk="1" hangingPunct="1"/>
-              <a:t>9/9/15</a:t>
+              <a:t>9/13/15</a:t>
             </a:fld>
             <a:endParaRPr lang="en-US">
               <a:latin typeface="Garamond" charset="0"/>
@@ -21465,7 +21444,7 @@
                 <a:latin typeface="Garamond" charset="0"/>
               </a:rPr>
               <a:pPr eaLnBrk="1" hangingPunct="1"/>
-              <a:t>9/9/15</a:t>
+              <a:t>9/13/15</a:t>
             </a:fld>
             <a:endParaRPr lang="en-US">
               <a:latin typeface="Garamond" charset="0"/>
@@ -21828,7 +21807,7 @@
                 <a:latin typeface="Garamond" charset="0"/>
               </a:rPr>
               <a:pPr eaLnBrk="1" hangingPunct="1"/>
-              <a:t>9/9/15</a:t>
+              <a:t>9/13/15</a:t>
             </a:fld>
             <a:endParaRPr lang="en-US">
               <a:latin typeface="Garamond" charset="0"/>
@@ -22439,7 +22418,7 @@
                 <a:latin typeface="Garamond" charset="0"/>
               </a:rPr>
               <a:pPr eaLnBrk="1" hangingPunct="1"/>
-              <a:t>9/9/15</a:t>
+              <a:t>9/13/15</a:t>
             </a:fld>
             <a:endParaRPr lang="en-US">
               <a:latin typeface="Garamond" charset="0"/>
@@ -22891,7 +22870,7 @@
                 <a:latin typeface="Garamond" charset="0"/>
               </a:rPr>
               <a:pPr eaLnBrk="1" hangingPunct="1"/>
-              <a:t>9/9/15</a:t>
+              <a:t>9/13/15</a:t>
             </a:fld>
             <a:endParaRPr lang="en-US">
               <a:latin typeface="Garamond" charset="0"/>
@@ -23436,7 +23415,7 @@
                 <a:latin typeface="Garamond" charset="0"/>
               </a:rPr>
               <a:pPr eaLnBrk="1" hangingPunct="1"/>
-              <a:t>9/9/15</a:t>
+              <a:t>9/13/15</a:t>
             </a:fld>
             <a:endParaRPr lang="en-US">
               <a:latin typeface="Garamond" charset="0"/>
